--- a/week_08_backtracking_tree/week_08.pptx
+++ b/week_08_backtracking_tree/week_08.pptx
@@ -6,7 +6,7 @@
     <p:sldMasterId id="2147483652" r:id="rId2"/>
   </p:sldMasterIdLst>
   <p:notesMasterIdLst>
-    <p:notesMasterId r:id="rId26"/>
+    <p:notesMasterId r:id="rId25"/>
   </p:notesMasterIdLst>
   <p:sldIdLst>
     <p:sldId id="306" r:id="rId3"/>
@@ -25,13 +25,12 @@
     <p:sldId id="1085" r:id="rId16"/>
     <p:sldId id="1088" r:id="rId17"/>
     <p:sldId id="1068" r:id="rId18"/>
-    <p:sldId id="1091" r:id="rId19"/>
-    <p:sldId id="1011" r:id="rId20"/>
-    <p:sldId id="1043" r:id="rId21"/>
-    <p:sldId id="1044" r:id="rId22"/>
-    <p:sldId id="1045" r:id="rId23"/>
-    <p:sldId id="1050" r:id="rId24"/>
-    <p:sldId id="1046" r:id="rId25"/>
+    <p:sldId id="1011" r:id="rId19"/>
+    <p:sldId id="1043" r:id="rId20"/>
+    <p:sldId id="1044" r:id="rId21"/>
+    <p:sldId id="1045" r:id="rId22"/>
+    <p:sldId id="1050" r:id="rId23"/>
+    <p:sldId id="1046" r:id="rId24"/>
   </p:sldIdLst>
   <p:sldSz cx="9144000" cy="6858000" type="screen4x3"/>
   <p:notesSz cx="6858000" cy="9144000"/>
@@ -8875,6 +8874,122 @@
           </a:effectLst>
         </p:spPr>
       </p:pic>
+      <p:sp>
+        <p:nvSpPr>
+          <p:cNvPr id="34" name="Rectangle 33">
+            <a:extLst>
+              <a:ext uri="{FF2B5EF4-FFF2-40B4-BE49-F238E27FC236}">
+                <a16:creationId xmlns:a16="http://schemas.microsoft.com/office/drawing/2014/main" id="{2033AE26-C4B3-BC37-F7F7-D988C68C2FB4}"/>
+              </a:ext>
+            </a:extLst>
+          </p:cNvPr>
+          <p:cNvSpPr/>
+          <p:nvPr/>
+        </p:nvSpPr>
+        <p:spPr>
+          <a:xfrm>
+            <a:off x="5861580" y="965369"/>
+            <a:ext cx="488538" cy="361822"/>
+          </a:xfrm>
+          <a:prstGeom prst="rect">
+            <a:avLst/>
+          </a:prstGeom>
+          <a:solidFill>
+            <a:srgbClr val="FFFF00"/>
+          </a:solidFill>
+          <a:ln w="22225">
+            <a:solidFill>
+              <a:schemeClr val="accent4">
+                <a:lumMod val="50000"/>
+              </a:schemeClr>
+            </a:solidFill>
+          </a:ln>
+        </p:spPr>
+        <p:style>
+          <a:lnRef idx="1">
+            <a:schemeClr val="accent1"/>
+          </a:lnRef>
+          <a:fillRef idx="3">
+            <a:schemeClr val="accent1"/>
+          </a:fillRef>
+          <a:effectRef idx="2">
+            <a:schemeClr val="accent1"/>
+          </a:effectRef>
+          <a:fontRef idx="minor">
+            <a:schemeClr val="lt1"/>
+          </a:fontRef>
+        </p:style>
+        <p:txBody>
+          <a:bodyPr rtlCol="0" anchor="ctr"/>
+          <a:lstStyle/>
+          <a:p>
+            <a:pPr algn="ctr"/>
+            <a:r>
+              <a:rPr lang="en-US" altLang="zh-CN" sz="1200" dirty="0">
+                <a:solidFill>
+                  <a:schemeClr val="accent4">
+                    <a:lumMod val="50000"/>
+                  </a:schemeClr>
+                </a:solidFill>
+              </a:rPr>
+              <a:t>Tom</a:t>
+            </a:r>
+            <a:endParaRPr lang="en-US" sz="1200" dirty="0">
+              <a:solidFill>
+                <a:schemeClr val="accent4">
+                  <a:lumMod val="50000"/>
+                </a:schemeClr>
+              </a:solidFill>
+            </a:endParaRPr>
+          </a:p>
+        </p:txBody>
+      </p:sp>
+      <p:cxnSp>
+        <p:nvCxnSpPr>
+          <p:cNvPr id="35" name="Straight Arrow Connector 34">
+            <a:extLst>
+              <a:ext uri="{FF2B5EF4-FFF2-40B4-BE49-F238E27FC236}">
+                <a16:creationId xmlns:a16="http://schemas.microsoft.com/office/drawing/2014/main" id="{5E6DE078-2915-7E7B-C45A-352BCAF54EF9}"/>
+              </a:ext>
+            </a:extLst>
+          </p:cNvPr>
+          <p:cNvCxnSpPr>
+            <a:cxnSpLocks/>
+            <a:endCxn id="34" idx="1"/>
+          </p:cNvCxnSpPr>
+          <p:nvPr/>
+        </p:nvCxnSpPr>
+        <p:spPr>
+          <a:xfrm>
+            <a:off x="5617311" y="1146280"/>
+            <a:ext cx="244269" cy="0"/>
+          </a:xfrm>
+          <a:prstGeom prst="straightConnector1">
+            <a:avLst/>
+          </a:prstGeom>
+          <a:ln w="15875">
+            <a:solidFill>
+              <a:srgbClr val="000000"/>
+            </a:solidFill>
+            <a:prstDash val="sysDash"/>
+            <a:tailEnd type="arrow" w="lg" len="lg"/>
+          </a:ln>
+        </p:spPr>
+        <p:style>
+          <a:lnRef idx="2">
+            <a:schemeClr val="accent1"/>
+          </a:lnRef>
+          <a:fillRef idx="0">
+            <a:schemeClr val="accent1"/>
+          </a:fillRef>
+          <a:effectRef idx="1">
+            <a:schemeClr val="accent1"/>
+          </a:effectRef>
+          <a:fontRef idx="minor">
+            <a:schemeClr val="tx1"/>
+          </a:fontRef>
+        </p:style>
+      </p:cxnSp>
     </p:spTree>
     <p:extLst>
       <p:ext uri="{BB962C8B-B14F-4D97-AF65-F5344CB8AC3E}">
@@ -10723,45 +10838,6 @@
           <a:chExt cx="0" cy="0"/>
         </a:xfrm>
       </p:grpSpPr>
-      <p:pic>
-        <p:nvPicPr>
-          <p:cNvPr id="13" name="Picture 12">
-            <a:extLst>
-              <a:ext uri="{FF2B5EF4-FFF2-40B4-BE49-F238E27FC236}">
-                <a16:creationId xmlns:a16="http://schemas.microsoft.com/office/drawing/2014/main" id="{54E073A0-0D0E-5245-8999-E14D72F1A45C}"/>
-              </a:ext>
-            </a:extLst>
-          </p:cNvPr>
-          <p:cNvPicPr>
-            <a:picLocks noChangeAspect="1"/>
-          </p:cNvPicPr>
-          <p:nvPr/>
-        </p:nvPicPr>
-        <p:blipFill rotWithShape="1">
-          <a:blip r:embed="rId2"/>
-          <a:srcRect t="4139"/>
-          <a:stretch/>
-        </p:blipFill>
-        <p:spPr>
-          <a:xfrm>
-            <a:off x="2258693" y="1564956"/>
-            <a:ext cx="4626614" cy="3728088"/>
-          </a:xfrm>
-          <a:prstGeom prst="rect">
-            <a:avLst/>
-          </a:prstGeom>
-          <a:ln>
-            <a:noFill/>
-          </a:ln>
-          <a:effectLst>
-            <a:outerShdw blurRad="292100" dist="139700" dir="2700000" algn="tl" rotWithShape="0">
-              <a:srgbClr val="333333">
-                <a:alpha val="65000"/>
-              </a:srgbClr>
-            </a:outerShdw>
-          </a:effectLst>
-        </p:spPr>
-      </p:pic>
       <p:sp>
         <p:nvSpPr>
           <p:cNvPr id="2" name="TextBox 1">
@@ -10811,8 +10887,8 @@
         </p:nvSpPr>
         <p:spPr>
           <a:xfrm>
-            <a:off x="1120588" y="6067327"/>
-            <a:ext cx="4572000" cy="369332"/>
+            <a:off x="464803" y="6251993"/>
+            <a:ext cx="5620871" cy="369332"/>
           </a:xfrm>
           <a:prstGeom prst="rect">
             <a:avLst/>
@@ -10826,8 +10902,12 @@
           <a:lstStyle/>
           <a:p>
             <a:r>
+              <a:rPr lang="en-US" dirty="0"/>
+              <a:t>Based on </a:t>
+            </a:r>
+            <a:r>
               <a:rPr lang="en-US" dirty="0">
-                <a:hlinkClick r:id="rId3"/>
+                <a:hlinkClick r:id="rId2"/>
               </a:rPr>
               <a:t>https://leetcode.com/problems/permutations</a:t>
             </a:r>
@@ -10835,6 +10915,46 @@
           </a:p>
         </p:txBody>
       </p:sp>
+      <p:pic>
+        <p:nvPicPr>
+          <p:cNvPr id="3" name="Picture 2">
+            <a:extLst>
+              <a:ext uri="{FF2B5EF4-FFF2-40B4-BE49-F238E27FC236}">
+                <a16:creationId xmlns:a16="http://schemas.microsoft.com/office/drawing/2014/main" id="{03557290-5E67-7707-8B0B-A09B6F517248}"/>
+              </a:ext>
+            </a:extLst>
+          </p:cNvPr>
+          <p:cNvPicPr>
+            <a:picLocks noChangeAspect="1"/>
+          </p:cNvPicPr>
+          <p:nvPr/>
+        </p:nvPicPr>
+        <p:blipFill>
+          <a:blip r:embed="rId3"/>
+          <a:stretch>
+            <a:fillRect/>
+          </a:stretch>
+        </p:blipFill>
+        <p:spPr>
+          <a:xfrm>
+            <a:off x="3275239" y="1113378"/>
+            <a:ext cx="4834697" cy="4631244"/>
+          </a:xfrm>
+          <a:prstGeom prst="rect">
+            <a:avLst/>
+          </a:prstGeom>
+          <a:ln>
+            <a:noFill/>
+          </a:ln>
+          <a:effectLst>
+            <a:outerShdw blurRad="292100" dist="139700" dir="2700000" algn="tl" rotWithShape="0">
+              <a:srgbClr val="333333">
+                <a:alpha val="65000"/>
+              </a:srgbClr>
+            </a:outerShdw>
+          </a:effectLst>
+        </p:spPr>
+      </p:pic>
     </p:spTree>
     <p:extLst>
       <p:ext uri="{BB962C8B-B14F-4D97-AF65-F5344CB8AC3E}">
@@ -10849,314 +10969,6 @@
 </file>
 
 <file path=ppt/slides/slide17.xml><?xml version="1.0" encoding="utf-8"?>
-<p:sld xmlns:a="http://schemas.openxmlformats.org/drawingml/2006/main" xmlns:r="http://schemas.openxmlformats.org/officeDocument/2006/relationships" xmlns:p="http://schemas.openxmlformats.org/presentationml/2006/main">
-  <p:cSld>
-    <p:spTree>
-      <p:nvGrpSpPr>
-        <p:cNvPr id="1" name=""/>
-        <p:cNvGrpSpPr/>
-        <p:nvPr/>
-      </p:nvGrpSpPr>
-      <p:grpSpPr>
-        <a:xfrm>
-          <a:off x="0" y="0"/>
-          <a:ext cx="0" cy="0"/>
-          <a:chOff x="0" y="0"/>
-          <a:chExt cx="0" cy="0"/>
-        </a:xfrm>
-      </p:grpSpPr>
-      <p:grpSp>
-        <p:nvGrpSpPr>
-          <p:cNvPr id="4" name="Group 3">
-            <a:extLst>
-              <a:ext uri="{FF2B5EF4-FFF2-40B4-BE49-F238E27FC236}">
-                <a16:creationId xmlns:a16="http://schemas.microsoft.com/office/drawing/2014/main" id="{2320F3C5-972F-68C3-5F8D-8B628A03F866}"/>
-              </a:ext>
-            </a:extLst>
-          </p:cNvPr>
-          <p:cNvGrpSpPr/>
-          <p:nvPr/>
-        </p:nvGrpSpPr>
-        <p:grpSpPr>
-          <a:xfrm>
-            <a:off x="4303059" y="2032150"/>
-            <a:ext cx="1720727" cy="2793699"/>
-            <a:chOff x="0" y="0"/>
-            <a:chExt cx="2294302" cy="2024132"/>
-          </a:xfrm>
-        </p:grpSpPr>
-        <p:sp>
-          <p:nvSpPr>
-            <p:cNvPr id="5" name="TextBox 4">
-              <a:extLst>
-                <a:ext uri="{FF2B5EF4-FFF2-40B4-BE49-F238E27FC236}">
-                  <a16:creationId xmlns:a16="http://schemas.microsoft.com/office/drawing/2014/main" id="{81857F54-B593-8E06-2FE6-D06644F35197}"/>
-                </a:ext>
-              </a:extLst>
-            </p:cNvPr>
-            <p:cNvSpPr txBox="1"/>
-            <p:nvPr/>
-          </p:nvSpPr>
-          <p:spPr>
-            <a:xfrm>
-              <a:off x="0" y="0"/>
-              <a:ext cx="1366185" cy="779699"/>
-            </a:xfrm>
-            <a:prstGeom prst="rect">
-              <a:avLst/>
-            </a:prstGeom>
-            <a:noFill/>
-          </p:spPr>
-          <p:txBody>
-            <a:bodyPr wrap="none" rtlCol="0">
-              <a:spAutoFit/>
-            </a:bodyPr>
-            <a:lstStyle>
-              <a:defPPr>
-                <a:defRPr lang="en-US"/>
-              </a:defPPr>
-              <a:lvl1pPr>
-                <a:defRPr sz="2000" b="1">
-                  <a:solidFill>
-                    <a:schemeClr val="bg1">
-                      <a:lumMod val="65000"/>
-                    </a:schemeClr>
-                  </a:solidFill>
-                </a:defRPr>
-              </a:lvl1pPr>
-            </a:lstStyle>
-            <a:p>
-              <a:r>
-                <a:rPr lang="en-US" sz="3200" dirty="0">
-                  <a:solidFill>
-                    <a:srgbClr val="273C77"/>
-                  </a:solidFill>
-                </a:rPr>
-                <a:t>Tests</a:t>
-              </a:r>
-            </a:p>
-          </p:txBody>
-        </p:sp>
-        <p:sp>
-          <p:nvSpPr>
-            <p:cNvPr id="6" name="TextBox 5">
-              <a:extLst>
-                <a:ext uri="{FF2B5EF4-FFF2-40B4-BE49-F238E27FC236}">
-                  <a16:creationId xmlns:a16="http://schemas.microsoft.com/office/drawing/2014/main" id="{320284AE-1014-B490-88A1-2D9915316792}"/>
-                </a:ext>
-              </a:extLst>
-            </p:cNvPr>
-            <p:cNvSpPr txBox="1"/>
-            <p:nvPr/>
-          </p:nvSpPr>
-          <p:spPr>
-            <a:xfrm>
-              <a:off x="0" y="400110"/>
-              <a:ext cx="2210434" cy="423690"/>
-            </a:xfrm>
-            <a:prstGeom prst="rect">
-              <a:avLst/>
-            </a:prstGeom>
-            <a:noFill/>
-          </p:spPr>
-          <p:txBody>
-            <a:bodyPr wrap="none" rtlCol="0">
-              <a:spAutoFit/>
-            </a:bodyPr>
-            <a:lstStyle/>
-            <a:p>
-              <a:r>
-                <a:rPr lang="en-US" sz="3200" b="1" dirty="0">
-                  <a:solidFill>
-                    <a:srgbClr val="273C77"/>
-                  </a:solidFill>
-                </a:rPr>
-                <a:t>Describe</a:t>
-              </a:r>
-            </a:p>
-          </p:txBody>
-        </p:sp>
-        <p:sp>
-          <p:nvSpPr>
-            <p:cNvPr id="7" name="TextBox 6">
-              <a:extLst>
-                <a:ext uri="{FF2B5EF4-FFF2-40B4-BE49-F238E27FC236}">
-                  <a16:creationId xmlns:a16="http://schemas.microsoft.com/office/drawing/2014/main" id="{F50971DA-836E-AA98-588E-22B58B2F6D47}"/>
-                </a:ext>
-              </a:extLst>
-            </p:cNvPr>
-            <p:cNvSpPr txBox="1"/>
-            <p:nvPr/>
-          </p:nvSpPr>
-          <p:spPr>
-            <a:xfrm>
-              <a:off x="0" y="800219"/>
-              <a:ext cx="1400384" cy="423690"/>
-            </a:xfrm>
-            <a:prstGeom prst="rect">
-              <a:avLst/>
-            </a:prstGeom>
-            <a:noFill/>
-          </p:spPr>
-          <p:txBody>
-            <a:bodyPr wrap="none" rtlCol="0">
-              <a:spAutoFit/>
-            </a:bodyPr>
-            <a:lstStyle>
-              <a:defPPr>
-                <a:defRPr lang="en-US"/>
-              </a:defPPr>
-              <a:lvl1pPr>
-                <a:defRPr sz="2000" b="1">
-                  <a:solidFill>
-                    <a:srgbClr val="273C77"/>
-                  </a:solidFill>
-                </a:defRPr>
-              </a:lvl1pPr>
-            </a:lstStyle>
-            <a:p>
-              <a:r>
-                <a:rPr lang="en-US" sz="3200" dirty="0"/>
-                <a:t>Code</a:t>
-              </a:r>
-            </a:p>
-          </p:txBody>
-        </p:sp>
-        <p:sp>
-          <p:nvSpPr>
-            <p:cNvPr id="8" name="TextBox 7">
-              <a:extLst>
-                <a:ext uri="{FF2B5EF4-FFF2-40B4-BE49-F238E27FC236}">
-                  <a16:creationId xmlns:a16="http://schemas.microsoft.com/office/drawing/2014/main" id="{6FB6CAC2-2501-1CCB-82F7-A932F49385AD}"/>
-                </a:ext>
-              </a:extLst>
-            </p:cNvPr>
-            <p:cNvSpPr txBox="1"/>
-            <p:nvPr/>
-          </p:nvSpPr>
-          <p:spPr>
-            <a:xfrm>
-              <a:off x="0" y="1200329"/>
-              <a:ext cx="2294302" cy="423690"/>
-            </a:xfrm>
-            <a:prstGeom prst="rect">
-              <a:avLst/>
-            </a:prstGeom>
-            <a:noFill/>
-          </p:spPr>
-          <p:txBody>
-            <a:bodyPr wrap="none" rtlCol="0">
-              <a:spAutoFit/>
-            </a:bodyPr>
-            <a:lstStyle>
-              <a:defPPr>
-                <a:defRPr lang="en-US"/>
-              </a:defPPr>
-              <a:lvl1pPr>
-                <a:defRPr sz="2000" b="1">
-                  <a:solidFill>
-                    <a:srgbClr val="273C77"/>
-                  </a:solidFill>
-                </a:defRPr>
-              </a:lvl1pPr>
-            </a:lstStyle>
-            <a:p>
-              <a:r>
-                <a:rPr lang="en-US" sz="3200" dirty="0"/>
-                <a:t>Optimize</a:t>
-              </a:r>
-            </a:p>
-          </p:txBody>
-        </p:sp>
-        <p:sp>
-          <p:nvSpPr>
-            <p:cNvPr id="9" name="TextBox 8">
-              <a:extLst>
-                <a:ext uri="{FF2B5EF4-FFF2-40B4-BE49-F238E27FC236}">
-                  <a16:creationId xmlns:a16="http://schemas.microsoft.com/office/drawing/2014/main" id="{C42F3905-D73E-32A7-08F0-95E7DEB3C36C}"/>
-                </a:ext>
-              </a:extLst>
-            </p:cNvPr>
-            <p:cNvSpPr txBox="1"/>
-            <p:nvPr/>
-          </p:nvSpPr>
-          <p:spPr>
-            <a:xfrm>
-              <a:off x="0" y="1600442"/>
-              <a:ext cx="2154265" cy="423690"/>
-            </a:xfrm>
-            <a:prstGeom prst="rect">
-              <a:avLst/>
-            </a:prstGeom>
-            <a:noFill/>
-          </p:spPr>
-          <p:txBody>
-            <a:bodyPr wrap="none" rtlCol="0">
-              <a:spAutoFit/>
-            </a:bodyPr>
-            <a:lstStyle/>
-            <a:p>
-              <a:r>
-                <a:rPr lang="en-US" sz="3200" b="1" dirty="0">
-                  <a:solidFill>
-                    <a:srgbClr val="273C77"/>
-                  </a:solidFill>
-                </a:rPr>
-                <a:t>Refactor</a:t>
-              </a:r>
-            </a:p>
-          </p:txBody>
-        </p:sp>
-      </p:grpSp>
-      <p:sp>
-        <p:nvSpPr>
-          <p:cNvPr id="10" name="TextBox 9">
-            <a:extLst>
-              <a:ext uri="{FF2B5EF4-FFF2-40B4-BE49-F238E27FC236}">
-                <a16:creationId xmlns:a16="http://schemas.microsoft.com/office/drawing/2014/main" id="{7A86E4C8-6938-0C97-606C-1114C767DA61}"/>
-              </a:ext>
-            </a:extLst>
-          </p:cNvPr>
-          <p:cNvSpPr txBox="1"/>
-          <p:nvPr/>
-        </p:nvSpPr>
-        <p:spPr>
-          <a:xfrm>
-            <a:off x="546848" y="824753"/>
-            <a:ext cx="1805687" cy="584775"/>
-          </a:xfrm>
-          <a:prstGeom prst="rect">
-            <a:avLst/>
-          </a:prstGeom>
-          <a:noFill/>
-        </p:spPr>
-        <p:txBody>
-          <a:bodyPr wrap="none" rtlCol="0">
-            <a:spAutoFit/>
-          </a:bodyPr>
-          <a:lstStyle/>
-          <a:p>
-            <a:r>
-              <a:rPr lang="en-US" sz="3200" dirty="0"/>
-              <a:t>Workflow</a:t>
-            </a:r>
-          </a:p>
-        </p:txBody>
-      </p:sp>
-    </p:spTree>
-    <p:extLst>
-      <p:ext uri="{BB962C8B-B14F-4D97-AF65-F5344CB8AC3E}">
-        <p14:creationId xmlns:p14="http://schemas.microsoft.com/office/powerpoint/2010/main" val="4075795864"/>
-      </p:ext>
-    </p:extLst>
-  </p:cSld>
-  <p:clrMapOvr>
-    <a:masterClrMapping/>
-  </p:clrMapOvr>
-</p:sld>
-</file>
-
-<file path=ppt/slides/slide18.xml><?xml version="1.0" encoding="utf-8"?>
 <p:sld xmlns:a="http://schemas.openxmlformats.org/drawingml/2006/main" xmlns:r="http://schemas.openxmlformats.org/officeDocument/2006/relationships" xmlns:p="http://schemas.openxmlformats.org/presentationml/2006/main">
   <p:cSld>
     <p:spTree>
@@ -11345,265 +11157,6 @@
                   </a:solidFill>
                 </a:rPr>
                 <a:t>2</a:t>
-              </a:r>
-            </a:p>
-          </p:txBody>
-        </p:sp>
-      </p:grpSp>
-      <p:grpSp>
-        <p:nvGrpSpPr>
-          <p:cNvPr id="14" name="Group 13">
-            <a:extLst>
-              <a:ext uri="{FF2B5EF4-FFF2-40B4-BE49-F238E27FC236}">
-                <a16:creationId xmlns:a16="http://schemas.microsoft.com/office/drawing/2014/main" id="{FE896377-AD7B-E941-BD02-624E2B8F53D1}"/>
-              </a:ext>
-            </a:extLst>
-          </p:cNvPr>
-          <p:cNvGrpSpPr/>
-          <p:nvPr/>
-        </p:nvGrpSpPr>
-        <p:grpSpPr>
-          <a:xfrm>
-            <a:off x="224118" y="191184"/>
-            <a:ext cx="903261" cy="1523496"/>
-            <a:chOff x="0" y="0"/>
-            <a:chExt cx="1204348" cy="2031327"/>
-          </a:xfrm>
-        </p:grpSpPr>
-        <p:sp>
-          <p:nvSpPr>
-            <p:cNvPr id="15" name="TextBox 14">
-              <a:extLst>
-                <a:ext uri="{FF2B5EF4-FFF2-40B4-BE49-F238E27FC236}">
-                  <a16:creationId xmlns:a16="http://schemas.microsoft.com/office/drawing/2014/main" id="{8A3ADC35-C0A0-504A-A3DC-5C4F47ADEF93}"/>
-                </a:ext>
-              </a:extLst>
-            </p:cNvPr>
-            <p:cNvSpPr txBox="1"/>
-            <p:nvPr/>
-          </p:nvSpPr>
-          <p:spPr>
-            <a:xfrm>
-              <a:off x="0" y="0"/>
-              <a:ext cx="770466" cy="430887"/>
-            </a:xfrm>
-            <a:prstGeom prst="rect">
-              <a:avLst/>
-            </a:prstGeom>
-            <a:noFill/>
-          </p:spPr>
-          <p:txBody>
-            <a:bodyPr wrap="none" rtlCol="0">
-              <a:spAutoFit/>
-            </a:bodyPr>
-            <a:lstStyle>
-              <a:defPPr>
-                <a:defRPr lang="en-US"/>
-              </a:defPPr>
-              <a:lvl1pPr>
-                <a:defRPr sz="2000" b="1">
-                  <a:solidFill>
-                    <a:schemeClr val="bg1">
-                      <a:lumMod val="65000"/>
-                    </a:schemeClr>
-                  </a:solidFill>
-                </a:defRPr>
-              </a:lvl1pPr>
-            </a:lstStyle>
-            <a:p>
-              <a:r>
-                <a:rPr lang="en-US" sz="1500" dirty="0">
-                  <a:solidFill>
-                    <a:srgbClr val="273C77"/>
-                  </a:solidFill>
-                </a:rPr>
-                <a:t>Tests</a:t>
-              </a:r>
-            </a:p>
-          </p:txBody>
-        </p:sp>
-        <p:sp>
-          <p:nvSpPr>
-            <p:cNvPr id="16" name="TextBox 15">
-              <a:extLst>
-                <a:ext uri="{FF2B5EF4-FFF2-40B4-BE49-F238E27FC236}">
-                  <a16:creationId xmlns:a16="http://schemas.microsoft.com/office/drawing/2014/main" id="{26FB0DFA-042C-7648-95B8-453DFB402361}"/>
-                </a:ext>
-              </a:extLst>
-            </p:cNvPr>
-            <p:cNvSpPr txBox="1"/>
-            <p:nvPr/>
-          </p:nvSpPr>
-          <p:spPr>
-            <a:xfrm>
-              <a:off x="0" y="400111"/>
-              <a:ext cx="1165276" cy="430887"/>
-            </a:xfrm>
-            <a:prstGeom prst="rect">
-              <a:avLst/>
-            </a:prstGeom>
-            <a:noFill/>
-          </p:spPr>
-          <p:txBody>
-            <a:bodyPr wrap="none" rtlCol="0">
-              <a:spAutoFit/>
-            </a:bodyPr>
-            <a:lstStyle/>
-            <a:p>
-              <a:r>
-                <a:rPr lang="en-US" sz="1500" b="1" dirty="0">
-                  <a:solidFill>
-                    <a:schemeClr val="bg1">
-                      <a:lumMod val="65000"/>
-                    </a:schemeClr>
-                  </a:solidFill>
-                </a:rPr>
-                <a:t>Describe</a:t>
-              </a:r>
-            </a:p>
-          </p:txBody>
-        </p:sp>
-        <p:sp>
-          <p:nvSpPr>
-            <p:cNvPr id="17" name="TextBox 16">
-              <a:extLst>
-                <a:ext uri="{FF2B5EF4-FFF2-40B4-BE49-F238E27FC236}">
-                  <a16:creationId xmlns:a16="http://schemas.microsoft.com/office/drawing/2014/main" id="{C1E45D19-6BF3-4643-AE2B-C82B0DE39226}"/>
-                </a:ext>
-              </a:extLst>
-            </p:cNvPr>
-            <p:cNvSpPr txBox="1"/>
-            <p:nvPr/>
-          </p:nvSpPr>
-          <p:spPr>
-            <a:xfrm>
-              <a:off x="0" y="800220"/>
-              <a:ext cx="786968" cy="430887"/>
-            </a:xfrm>
-            <a:prstGeom prst="rect">
-              <a:avLst/>
-            </a:prstGeom>
-            <a:noFill/>
-          </p:spPr>
-          <p:txBody>
-            <a:bodyPr wrap="none" rtlCol="0">
-              <a:spAutoFit/>
-            </a:bodyPr>
-            <a:lstStyle>
-              <a:defPPr>
-                <a:defRPr lang="en-US"/>
-              </a:defPPr>
-              <a:lvl1pPr>
-                <a:defRPr sz="2000" b="1">
-                  <a:solidFill>
-                    <a:srgbClr val="273C77"/>
-                  </a:solidFill>
-                </a:defRPr>
-              </a:lvl1pPr>
-            </a:lstStyle>
-            <a:p>
-              <a:r>
-                <a:rPr lang="en-US" sz="1500" dirty="0">
-                  <a:solidFill>
-                    <a:schemeClr val="bg1">
-                      <a:lumMod val="65000"/>
-                    </a:schemeClr>
-                  </a:solidFill>
-                </a:rPr>
-                <a:t>Code</a:t>
-              </a:r>
-            </a:p>
-          </p:txBody>
-        </p:sp>
-        <p:sp>
-          <p:nvSpPr>
-            <p:cNvPr id="18" name="TextBox 17">
-              <a:extLst>
-                <a:ext uri="{FF2B5EF4-FFF2-40B4-BE49-F238E27FC236}">
-                  <a16:creationId xmlns:a16="http://schemas.microsoft.com/office/drawing/2014/main" id="{B86CF285-46DA-EA44-B577-360F9F36F69A}"/>
-                </a:ext>
-              </a:extLst>
-            </p:cNvPr>
-            <p:cNvSpPr txBox="1"/>
-            <p:nvPr/>
-          </p:nvSpPr>
-          <p:spPr>
-            <a:xfrm>
-              <a:off x="0" y="1200330"/>
-              <a:ext cx="1204348" cy="430887"/>
-            </a:xfrm>
-            <a:prstGeom prst="rect">
-              <a:avLst/>
-            </a:prstGeom>
-            <a:noFill/>
-          </p:spPr>
-          <p:txBody>
-            <a:bodyPr wrap="none" rtlCol="0">
-              <a:spAutoFit/>
-            </a:bodyPr>
-            <a:lstStyle>
-              <a:defPPr>
-                <a:defRPr lang="en-US"/>
-              </a:defPPr>
-              <a:lvl1pPr>
-                <a:defRPr sz="2000" b="1">
-                  <a:solidFill>
-                    <a:srgbClr val="273C77"/>
-                  </a:solidFill>
-                </a:defRPr>
-              </a:lvl1pPr>
-            </a:lstStyle>
-            <a:p>
-              <a:r>
-                <a:rPr lang="en-US" sz="1500" dirty="0">
-                  <a:solidFill>
-                    <a:schemeClr val="bg1">
-                      <a:lumMod val="65000"/>
-                    </a:schemeClr>
-                  </a:solidFill>
-                </a:rPr>
-                <a:t>Optimize</a:t>
-              </a:r>
-            </a:p>
-          </p:txBody>
-        </p:sp>
-        <p:sp>
-          <p:nvSpPr>
-            <p:cNvPr id="19" name="TextBox 18">
-              <a:extLst>
-                <a:ext uri="{FF2B5EF4-FFF2-40B4-BE49-F238E27FC236}">
-                  <a16:creationId xmlns:a16="http://schemas.microsoft.com/office/drawing/2014/main" id="{84CB3934-F688-3343-A981-17C1103F68C0}"/>
-                </a:ext>
-              </a:extLst>
-            </p:cNvPr>
-            <p:cNvSpPr txBox="1"/>
-            <p:nvPr/>
-          </p:nvSpPr>
-          <p:spPr>
-            <a:xfrm>
-              <a:off x="0" y="1600440"/>
-              <a:ext cx="1142364" cy="430887"/>
-            </a:xfrm>
-            <a:prstGeom prst="rect">
-              <a:avLst/>
-            </a:prstGeom>
-            <a:noFill/>
-          </p:spPr>
-          <p:txBody>
-            <a:bodyPr wrap="none" rtlCol="0">
-              <a:spAutoFit/>
-            </a:bodyPr>
-            <a:lstStyle/>
-            <a:p>
-              <a:r>
-                <a:rPr lang="en-US" sz="1500" b="1" dirty="0">
-                  <a:solidFill>
-                    <a:schemeClr val="bg1">
-                      <a:lumMod val="65000"/>
-                    </a:schemeClr>
-                  </a:solidFill>
-                </a:rPr>
-                <a:t>Refactor</a:t>
               </a:r>
             </a:p>
           </p:txBody>
@@ -12235,7 +11788,7 @@
 </p:sld>
 </file>
 
-<file path=ppt/slides/slide19.xml><?xml version="1.0" encoding="utf-8"?>
+<file path=ppt/slides/slide18.xml><?xml version="1.0" encoding="utf-8"?>
 <p:sld xmlns:a="http://schemas.openxmlformats.org/drawingml/2006/main" xmlns:r="http://schemas.openxmlformats.org/officeDocument/2006/relationships" xmlns:p="http://schemas.openxmlformats.org/presentationml/2006/main">
   <p:cSld>
     <p:spTree>
@@ -13230,265 +12783,6 @@
           </p:txBody>
         </p:sp>
       </p:grpSp>
-      <p:grpSp>
-        <p:nvGrpSpPr>
-          <p:cNvPr id="29" name="Group 28">
-            <a:extLst>
-              <a:ext uri="{FF2B5EF4-FFF2-40B4-BE49-F238E27FC236}">
-                <a16:creationId xmlns:a16="http://schemas.microsoft.com/office/drawing/2014/main" id="{2A3E66CC-E5CA-43E3-6401-79124D8FBB12}"/>
-              </a:ext>
-            </a:extLst>
-          </p:cNvPr>
-          <p:cNvGrpSpPr/>
-          <p:nvPr/>
-        </p:nvGrpSpPr>
-        <p:grpSpPr>
-          <a:xfrm>
-            <a:off x="224118" y="191184"/>
-            <a:ext cx="903261" cy="1523496"/>
-            <a:chOff x="0" y="0"/>
-            <a:chExt cx="1204348" cy="2031327"/>
-          </a:xfrm>
-        </p:grpSpPr>
-        <p:sp>
-          <p:nvSpPr>
-            <p:cNvPr id="30" name="TextBox 29">
-              <a:extLst>
-                <a:ext uri="{FF2B5EF4-FFF2-40B4-BE49-F238E27FC236}">
-                  <a16:creationId xmlns:a16="http://schemas.microsoft.com/office/drawing/2014/main" id="{509D35D3-ACC9-1596-8C2C-1AD902D06788}"/>
-                </a:ext>
-              </a:extLst>
-            </p:cNvPr>
-            <p:cNvSpPr txBox="1"/>
-            <p:nvPr/>
-          </p:nvSpPr>
-          <p:spPr>
-            <a:xfrm>
-              <a:off x="0" y="0"/>
-              <a:ext cx="770466" cy="430887"/>
-            </a:xfrm>
-            <a:prstGeom prst="rect">
-              <a:avLst/>
-            </a:prstGeom>
-            <a:noFill/>
-          </p:spPr>
-          <p:txBody>
-            <a:bodyPr wrap="none" rtlCol="0">
-              <a:spAutoFit/>
-            </a:bodyPr>
-            <a:lstStyle>
-              <a:defPPr>
-                <a:defRPr lang="en-US"/>
-              </a:defPPr>
-              <a:lvl1pPr>
-                <a:defRPr sz="2000" b="1">
-                  <a:solidFill>
-                    <a:schemeClr val="bg1">
-                      <a:lumMod val="65000"/>
-                    </a:schemeClr>
-                  </a:solidFill>
-                </a:defRPr>
-              </a:lvl1pPr>
-            </a:lstStyle>
-            <a:p>
-              <a:r>
-                <a:rPr lang="en-US" sz="1500" dirty="0">
-                  <a:solidFill>
-                    <a:srgbClr val="273C77"/>
-                  </a:solidFill>
-                </a:rPr>
-                <a:t>Tests</a:t>
-              </a:r>
-            </a:p>
-          </p:txBody>
-        </p:sp>
-        <p:sp>
-          <p:nvSpPr>
-            <p:cNvPr id="35" name="TextBox 34">
-              <a:extLst>
-                <a:ext uri="{FF2B5EF4-FFF2-40B4-BE49-F238E27FC236}">
-                  <a16:creationId xmlns:a16="http://schemas.microsoft.com/office/drawing/2014/main" id="{4FCF768B-4127-815A-A208-27C4EF269D0B}"/>
-                </a:ext>
-              </a:extLst>
-            </p:cNvPr>
-            <p:cNvSpPr txBox="1"/>
-            <p:nvPr/>
-          </p:nvSpPr>
-          <p:spPr>
-            <a:xfrm>
-              <a:off x="0" y="400111"/>
-              <a:ext cx="1165276" cy="430887"/>
-            </a:xfrm>
-            <a:prstGeom prst="rect">
-              <a:avLst/>
-            </a:prstGeom>
-            <a:noFill/>
-          </p:spPr>
-          <p:txBody>
-            <a:bodyPr wrap="none" rtlCol="0">
-              <a:spAutoFit/>
-            </a:bodyPr>
-            <a:lstStyle/>
-            <a:p>
-              <a:r>
-                <a:rPr lang="en-US" sz="1500" b="1" dirty="0">
-                  <a:solidFill>
-                    <a:schemeClr val="bg1">
-                      <a:lumMod val="65000"/>
-                    </a:schemeClr>
-                  </a:solidFill>
-                </a:rPr>
-                <a:t>Describe</a:t>
-              </a:r>
-            </a:p>
-          </p:txBody>
-        </p:sp>
-        <p:sp>
-          <p:nvSpPr>
-            <p:cNvPr id="36" name="TextBox 35">
-              <a:extLst>
-                <a:ext uri="{FF2B5EF4-FFF2-40B4-BE49-F238E27FC236}">
-                  <a16:creationId xmlns:a16="http://schemas.microsoft.com/office/drawing/2014/main" id="{C39B7EB3-3BCE-ACB6-5E8C-21EE7CA02C46}"/>
-                </a:ext>
-              </a:extLst>
-            </p:cNvPr>
-            <p:cNvSpPr txBox="1"/>
-            <p:nvPr/>
-          </p:nvSpPr>
-          <p:spPr>
-            <a:xfrm>
-              <a:off x="0" y="800220"/>
-              <a:ext cx="786968" cy="430887"/>
-            </a:xfrm>
-            <a:prstGeom prst="rect">
-              <a:avLst/>
-            </a:prstGeom>
-            <a:noFill/>
-          </p:spPr>
-          <p:txBody>
-            <a:bodyPr wrap="none" rtlCol="0">
-              <a:spAutoFit/>
-            </a:bodyPr>
-            <a:lstStyle>
-              <a:defPPr>
-                <a:defRPr lang="en-US"/>
-              </a:defPPr>
-              <a:lvl1pPr>
-                <a:defRPr sz="2000" b="1">
-                  <a:solidFill>
-                    <a:srgbClr val="273C77"/>
-                  </a:solidFill>
-                </a:defRPr>
-              </a:lvl1pPr>
-            </a:lstStyle>
-            <a:p>
-              <a:r>
-                <a:rPr lang="en-US" sz="1500" dirty="0">
-                  <a:solidFill>
-                    <a:schemeClr val="bg1">
-                      <a:lumMod val="65000"/>
-                    </a:schemeClr>
-                  </a:solidFill>
-                </a:rPr>
-                <a:t>Code</a:t>
-              </a:r>
-            </a:p>
-          </p:txBody>
-        </p:sp>
-        <p:sp>
-          <p:nvSpPr>
-            <p:cNvPr id="37" name="TextBox 36">
-              <a:extLst>
-                <a:ext uri="{FF2B5EF4-FFF2-40B4-BE49-F238E27FC236}">
-                  <a16:creationId xmlns:a16="http://schemas.microsoft.com/office/drawing/2014/main" id="{4CBDAF69-1A0A-1673-C2B3-CC5D439B0418}"/>
-                </a:ext>
-              </a:extLst>
-            </p:cNvPr>
-            <p:cNvSpPr txBox="1"/>
-            <p:nvPr/>
-          </p:nvSpPr>
-          <p:spPr>
-            <a:xfrm>
-              <a:off x="0" y="1200330"/>
-              <a:ext cx="1204348" cy="430887"/>
-            </a:xfrm>
-            <a:prstGeom prst="rect">
-              <a:avLst/>
-            </a:prstGeom>
-            <a:noFill/>
-          </p:spPr>
-          <p:txBody>
-            <a:bodyPr wrap="none" rtlCol="0">
-              <a:spAutoFit/>
-            </a:bodyPr>
-            <a:lstStyle>
-              <a:defPPr>
-                <a:defRPr lang="en-US"/>
-              </a:defPPr>
-              <a:lvl1pPr>
-                <a:defRPr sz="2000" b="1">
-                  <a:solidFill>
-                    <a:srgbClr val="273C77"/>
-                  </a:solidFill>
-                </a:defRPr>
-              </a:lvl1pPr>
-            </a:lstStyle>
-            <a:p>
-              <a:r>
-                <a:rPr lang="en-US" sz="1500" dirty="0">
-                  <a:solidFill>
-                    <a:schemeClr val="bg1">
-                      <a:lumMod val="65000"/>
-                    </a:schemeClr>
-                  </a:solidFill>
-                </a:rPr>
-                <a:t>Optimize</a:t>
-              </a:r>
-            </a:p>
-          </p:txBody>
-        </p:sp>
-        <p:sp>
-          <p:nvSpPr>
-            <p:cNvPr id="38" name="TextBox 37">
-              <a:extLst>
-                <a:ext uri="{FF2B5EF4-FFF2-40B4-BE49-F238E27FC236}">
-                  <a16:creationId xmlns:a16="http://schemas.microsoft.com/office/drawing/2014/main" id="{F4C0C62F-AD39-2F80-96F5-992FF6BB4506}"/>
-                </a:ext>
-              </a:extLst>
-            </p:cNvPr>
-            <p:cNvSpPr txBox="1"/>
-            <p:nvPr/>
-          </p:nvSpPr>
-          <p:spPr>
-            <a:xfrm>
-              <a:off x="0" y="1600440"/>
-              <a:ext cx="1142364" cy="430887"/>
-            </a:xfrm>
-            <a:prstGeom prst="rect">
-              <a:avLst/>
-            </a:prstGeom>
-            <a:noFill/>
-          </p:spPr>
-          <p:txBody>
-            <a:bodyPr wrap="none" rtlCol="0">
-              <a:spAutoFit/>
-            </a:bodyPr>
-            <a:lstStyle/>
-            <a:p>
-              <a:r>
-                <a:rPr lang="en-US" sz="1500" b="1" dirty="0">
-                  <a:solidFill>
-                    <a:schemeClr val="bg1">
-                      <a:lumMod val="65000"/>
-                    </a:schemeClr>
-                  </a:solidFill>
-                </a:rPr>
-                <a:t>Refactor</a:t>
-              </a:r>
-            </a:p>
-          </p:txBody>
-        </p:sp>
-      </p:grpSp>
     </p:spTree>
     <p:extLst>
       <p:ext uri="{BB962C8B-B14F-4D97-AF65-F5344CB8AC3E}">
@@ -14039,59 +13333,7 @@
 </p:sld>
 </file>
 
-<file path=ppt/slides/slide2.xml><?xml version="1.0" encoding="utf-8"?>
-<p:sld xmlns:a="http://schemas.openxmlformats.org/drawingml/2006/main" xmlns:r="http://schemas.openxmlformats.org/officeDocument/2006/relationships" xmlns:p="http://schemas.openxmlformats.org/presentationml/2006/main">
-  <p:cSld>
-    <p:spTree>
-      <p:nvGrpSpPr>
-        <p:cNvPr id="1" name=""/>
-        <p:cNvGrpSpPr/>
-        <p:nvPr/>
-      </p:nvGrpSpPr>
-      <p:grpSpPr>
-        <a:xfrm>
-          <a:off x="0" y="0"/>
-          <a:ext cx="0" cy="0"/>
-          <a:chOff x="0" y="0"/>
-          <a:chExt cx="0" cy="0"/>
-        </a:xfrm>
-      </p:grpSpPr>
-      <p:sp>
-        <p:nvSpPr>
-          <p:cNvPr id="3" name="Title 2"/>
-          <p:cNvSpPr>
-            <a:spLocks noGrp="1"/>
-          </p:cNvSpPr>
-          <p:nvPr>
-            <p:ph type="title"/>
-          </p:nvPr>
-        </p:nvSpPr>
-        <p:spPr/>
-        <p:txBody>
-          <a:bodyPr/>
-          <a:lstStyle/>
-          <a:p>
-            <a:r>
-              <a:rPr lang="en-US" dirty="0"/>
-              <a:t>CSS342 Data Structures, Algorithms, and Discrete Mathematics (I)</a:t>
-            </a:r>
-          </a:p>
-        </p:txBody>
-      </p:sp>
-    </p:spTree>
-    <p:extLst>
-      <p:ext uri="{BB962C8B-B14F-4D97-AF65-F5344CB8AC3E}">
-        <p14:creationId xmlns:p14="http://schemas.microsoft.com/office/powerpoint/2010/main" val="1913477580"/>
-      </p:ext>
-    </p:extLst>
-  </p:cSld>
-  <p:clrMapOvr>
-    <a:masterClrMapping/>
-  </p:clrMapOvr>
-</p:sld>
-</file>
-
-<file path=ppt/slides/slide20.xml><?xml version="1.0" encoding="utf-8"?>
+<file path=ppt/slides/slide19.xml><?xml version="1.0" encoding="utf-8"?>
 <p:sld xmlns:a="http://schemas.openxmlformats.org/drawingml/2006/main" xmlns:r="http://schemas.openxmlformats.org/officeDocument/2006/relationships" xmlns:p="http://schemas.openxmlformats.org/presentationml/2006/main">
   <p:cSld>
     <p:spTree>
@@ -14148,265 +13390,6 @@
           </a:effectLst>
         </p:spPr>
       </p:pic>
-      <p:grpSp>
-        <p:nvGrpSpPr>
-          <p:cNvPr id="9" name="Group 8">
-            <a:extLst>
-              <a:ext uri="{FF2B5EF4-FFF2-40B4-BE49-F238E27FC236}">
-                <a16:creationId xmlns:a16="http://schemas.microsoft.com/office/drawing/2014/main" id="{2F4C9C51-6692-8B70-4555-B2E5A79F4E17}"/>
-              </a:ext>
-            </a:extLst>
-          </p:cNvPr>
-          <p:cNvGrpSpPr/>
-          <p:nvPr/>
-        </p:nvGrpSpPr>
-        <p:grpSpPr>
-          <a:xfrm>
-            <a:off x="224118" y="191184"/>
-            <a:ext cx="903261" cy="1523496"/>
-            <a:chOff x="0" y="0"/>
-            <a:chExt cx="1204348" cy="2031327"/>
-          </a:xfrm>
-        </p:grpSpPr>
-        <p:sp>
-          <p:nvSpPr>
-            <p:cNvPr id="10" name="TextBox 9">
-              <a:extLst>
-                <a:ext uri="{FF2B5EF4-FFF2-40B4-BE49-F238E27FC236}">
-                  <a16:creationId xmlns:a16="http://schemas.microsoft.com/office/drawing/2014/main" id="{C5BEB4B4-6F3E-EC8B-599D-3223359A2F20}"/>
-                </a:ext>
-              </a:extLst>
-            </p:cNvPr>
-            <p:cNvSpPr txBox="1"/>
-            <p:nvPr/>
-          </p:nvSpPr>
-          <p:spPr>
-            <a:xfrm>
-              <a:off x="0" y="0"/>
-              <a:ext cx="770466" cy="430887"/>
-            </a:xfrm>
-            <a:prstGeom prst="rect">
-              <a:avLst/>
-            </a:prstGeom>
-            <a:noFill/>
-          </p:spPr>
-          <p:txBody>
-            <a:bodyPr wrap="none" rtlCol="0">
-              <a:spAutoFit/>
-            </a:bodyPr>
-            <a:lstStyle>
-              <a:defPPr>
-                <a:defRPr lang="en-US"/>
-              </a:defPPr>
-              <a:lvl1pPr>
-                <a:defRPr sz="2000" b="1">
-                  <a:solidFill>
-                    <a:schemeClr val="bg1">
-                      <a:lumMod val="65000"/>
-                    </a:schemeClr>
-                  </a:solidFill>
-                </a:defRPr>
-              </a:lvl1pPr>
-            </a:lstStyle>
-            <a:p>
-              <a:r>
-                <a:rPr lang="en-US" sz="1500" dirty="0">
-                  <a:solidFill>
-                    <a:srgbClr val="273C77"/>
-                  </a:solidFill>
-                </a:rPr>
-                <a:t>Tests</a:t>
-              </a:r>
-            </a:p>
-          </p:txBody>
-        </p:sp>
-        <p:sp>
-          <p:nvSpPr>
-            <p:cNvPr id="11" name="TextBox 10">
-              <a:extLst>
-                <a:ext uri="{FF2B5EF4-FFF2-40B4-BE49-F238E27FC236}">
-                  <a16:creationId xmlns:a16="http://schemas.microsoft.com/office/drawing/2014/main" id="{23A5D10F-0474-4B11-00A2-1D603E0ECE79}"/>
-                </a:ext>
-              </a:extLst>
-            </p:cNvPr>
-            <p:cNvSpPr txBox="1"/>
-            <p:nvPr/>
-          </p:nvSpPr>
-          <p:spPr>
-            <a:xfrm>
-              <a:off x="0" y="400111"/>
-              <a:ext cx="1165276" cy="430887"/>
-            </a:xfrm>
-            <a:prstGeom prst="rect">
-              <a:avLst/>
-            </a:prstGeom>
-            <a:noFill/>
-          </p:spPr>
-          <p:txBody>
-            <a:bodyPr wrap="none" rtlCol="0">
-              <a:spAutoFit/>
-            </a:bodyPr>
-            <a:lstStyle/>
-            <a:p>
-              <a:r>
-                <a:rPr lang="en-US" sz="1500" b="1" dirty="0">
-                  <a:solidFill>
-                    <a:schemeClr val="bg1">
-                      <a:lumMod val="65000"/>
-                    </a:schemeClr>
-                  </a:solidFill>
-                </a:rPr>
-                <a:t>Describe</a:t>
-              </a:r>
-            </a:p>
-          </p:txBody>
-        </p:sp>
-        <p:sp>
-          <p:nvSpPr>
-            <p:cNvPr id="12" name="TextBox 11">
-              <a:extLst>
-                <a:ext uri="{FF2B5EF4-FFF2-40B4-BE49-F238E27FC236}">
-                  <a16:creationId xmlns:a16="http://schemas.microsoft.com/office/drawing/2014/main" id="{EFD5E540-3601-4594-FD71-C3947113FB9E}"/>
-                </a:ext>
-              </a:extLst>
-            </p:cNvPr>
-            <p:cNvSpPr txBox="1"/>
-            <p:nvPr/>
-          </p:nvSpPr>
-          <p:spPr>
-            <a:xfrm>
-              <a:off x="0" y="800220"/>
-              <a:ext cx="786968" cy="430887"/>
-            </a:xfrm>
-            <a:prstGeom prst="rect">
-              <a:avLst/>
-            </a:prstGeom>
-            <a:noFill/>
-          </p:spPr>
-          <p:txBody>
-            <a:bodyPr wrap="none" rtlCol="0">
-              <a:spAutoFit/>
-            </a:bodyPr>
-            <a:lstStyle>
-              <a:defPPr>
-                <a:defRPr lang="en-US"/>
-              </a:defPPr>
-              <a:lvl1pPr>
-                <a:defRPr sz="2000" b="1">
-                  <a:solidFill>
-                    <a:srgbClr val="273C77"/>
-                  </a:solidFill>
-                </a:defRPr>
-              </a:lvl1pPr>
-            </a:lstStyle>
-            <a:p>
-              <a:r>
-                <a:rPr lang="en-US" sz="1500" dirty="0">
-                  <a:solidFill>
-                    <a:schemeClr val="bg1">
-                      <a:lumMod val="65000"/>
-                    </a:schemeClr>
-                  </a:solidFill>
-                </a:rPr>
-                <a:t>Code</a:t>
-              </a:r>
-            </a:p>
-          </p:txBody>
-        </p:sp>
-        <p:sp>
-          <p:nvSpPr>
-            <p:cNvPr id="13" name="TextBox 12">
-              <a:extLst>
-                <a:ext uri="{FF2B5EF4-FFF2-40B4-BE49-F238E27FC236}">
-                  <a16:creationId xmlns:a16="http://schemas.microsoft.com/office/drawing/2014/main" id="{5F5392F0-9D51-7A07-CC83-60B1121DCF43}"/>
-                </a:ext>
-              </a:extLst>
-            </p:cNvPr>
-            <p:cNvSpPr txBox="1"/>
-            <p:nvPr/>
-          </p:nvSpPr>
-          <p:spPr>
-            <a:xfrm>
-              <a:off x="0" y="1200330"/>
-              <a:ext cx="1204348" cy="430887"/>
-            </a:xfrm>
-            <a:prstGeom prst="rect">
-              <a:avLst/>
-            </a:prstGeom>
-            <a:noFill/>
-          </p:spPr>
-          <p:txBody>
-            <a:bodyPr wrap="none" rtlCol="0">
-              <a:spAutoFit/>
-            </a:bodyPr>
-            <a:lstStyle>
-              <a:defPPr>
-                <a:defRPr lang="en-US"/>
-              </a:defPPr>
-              <a:lvl1pPr>
-                <a:defRPr sz="2000" b="1">
-                  <a:solidFill>
-                    <a:srgbClr val="273C77"/>
-                  </a:solidFill>
-                </a:defRPr>
-              </a:lvl1pPr>
-            </a:lstStyle>
-            <a:p>
-              <a:r>
-                <a:rPr lang="en-US" sz="1500" dirty="0">
-                  <a:solidFill>
-                    <a:schemeClr val="bg1">
-                      <a:lumMod val="65000"/>
-                    </a:schemeClr>
-                  </a:solidFill>
-                </a:rPr>
-                <a:t>Optimize</a:t>
-              </a:r>
-            </a:p>
-          </p:txBody>
-        </p:sp>
-        <p:sp>
-          <p:nvSpPr>
-            <p:cNvPr id="20" name="TextBox 19">
-              <a:extLst>
-                <a:ext uri="{FF2B5EF4-FFF2-40B4-BE49-F238E27FC236}">
-                  <a16:creationId xmlns:a16="http://schemas.microsoft.com/office/drawing/2014/main" id="{C0E240EC-ACAC-90F9-2E87-0E6194523F79}"/>
-                </a:ext>
-              </a:extLst>
-            </p:cNvPr>
-            <p:cNvSpPr txBox="1"/>
-            <p:nvPr/>
-          </p:nvSpPr>
-          <p:spPr>
-            <a:xfrm>
-              <a:off x="0" y="1600440"/>
-              <a:ext cx="1142364" cy="430887"/>
-            </a:xfrm>
-            <a:prstGeom prst="rect">
-              <a:avLst/>
-            </a:prstGeom>
-            <a:noFill/>
-          </p:spPr>
-          <p:txBody>
-            <a:bodyPr wrap="none" rtlCol="0">
-              <a:spAutoFit/>
-            </a:bodyPr>
-            <a:lstStyle/>
-            <a:p>
-              <a:r>
-                <a:rPr lang="en-US" sz="1500" b="1" dirty="0">
-                  <a:solidFill>
-                    <a:schemeClr val="bg1">
-                      <a:lumMod val="65000"/>
-                    </a:schemeClr>
-                  </a:solidFill>
-                </a:rPr>
-                <a:t>Refactor</a:t>
-              </a:r>
-            </a:p>
-          </p:txBody>
-        </p:sp>
-      </p:grpSp>
     </p:spTree>
     <p:extLst>
       <p:ext uri="{BB962C8B-B14F-4D97-AF65-F5344CB8AC3E}">
@@ -14420,7 +13403,59 @@
 </p:sld>
 </file>
 
-<file path=ppt/slides/slide21.xml><?xml version="1.0" encoding="utf-8"?>
+<file path=ppt/slides/slide2.xml><?xml version="1.0" encoding="utf-8"?>
+<p:sld xmlns:a="http://schemas.openxmlformats.org/drawingml/2006/main" xmlns:r="http://schemas.openxmlformats.org/officeDocument/2006/relationships" xmlns:p="http://schemas.openxmlformats.org/presentationml/2006/main">
+  <p:cSld>
+    <p:spTree>
+      <p:nvGrpSpPr>
+        <p:cNvPr id="1" name=""/>
+        <p:cNvGrpSpPr/>
+        <p:nvPr/>
+      </p:nvGrpSpPr>
+      <p:grpSpPr>
+        <a:xfrm>
+          <a:off x="0" y="0"/>
+          <a:ext cx="0" cy="0"/>
+          <a:chOff x="0" y="0"/>
+          <a:chExt cx="0" cy="0"/>
+        </a:xfrm>
+      </p:grpSpPr>
+      <p:sp>
+        <p:nvSpPr>
+          <p:cNvPr id="3" name="Title 2"/>
+          <p:cNvSpPr>
+            <a:spLocks noGrp="1"/>
+          </p:cNvSpPr>
+          <p:nvPr>
+            <p:ph type="title"/>
+          </p:nvPr>
+        </p:nvSpPr>
+        <p:spPr/>
+        <p:txBody>
+          <a:bodyPr/>
+          <a:lstStyle/>
+          <a:p>
+            <a:r>
+              <a:rPr lang="en-US" dirty="0"/>
+              <a:t>CSS342 Data Structures, Algorithms, and Discrete Mathematics (I)</a:t>
+            </a:r>
+          </a:p>
+        </p:txBody>
+      </p:sp>
+    </p:spTree>
+    <p:extLst>
+      <p:ext uri="{BB962C8B-B14F-4D97-AF65-F5344CB8AC3E}">
+        <p14:creationId xmlns:p14="http://schemas.microsoft.com/office/powerpoint/2010/main" val="1913477580"/>
+      </p:ext>
+    </p:extLst>
+  </p:cSld>
+  <p:clrMapOvr>
+    <a:masterClrMapping/>
+  </p:clrMapOvr>
+</p:sld>
+</file>
+
+<file path=ppt/slides/slide20.xml><?xml version="1.0" encoding="utf-8"?>
 <p:sld xmlns:a="http://schemas.openxmlformats.org/drawingml/2006/main" xmlns:r="http://schemas.openxmlformats.org/officeDocument/2006/relationships" xmlns:p="http://schemas.openxmlformats.org/presentationml/2006/main">
   <p:cSld>
     <p:spTree>
@@ -15346,265 +14381,6 @@
           </p:sp>
         </mc:Fallback>
       </mc:AlternateContent>
-      <p:grpSp>
-        <p:nvGrpSpPr>
-          <p:cNvPr id="25" name="Group 24">
-            <a:extLst>
-              <a:ext uri="{FF2B5EF4-FFF2-40B4-BE49-F238E27FC236}">
-                <a16:creationId xmlns:a16="http://schemas.microsoft.com/office/drawing/2014/main" id="{AA8590EB-4748-0DC3-F0C5-EC63238B4B0F}"/>
-              </a:ext>
-            </a:extLst>
-          </p:cNvPr>
-          <p:cNvGrpSpPr/>
-          <p:nvPr/>
-        </p:nvGrpSpPr>
-        <p:grpSpPr>
-          <a:xfrm>
-            <a:off x="224118" y="191184"/>
-            <a:ext cx="903261" cy="1523496"/>
-            <a:chOff x="0" y="0"/>
-            <a:chExt cx="1204348" cy="2031327"/>
-          </a:xfrm>
-        </p:grpSpPr>
-        <p:sp>
-          <p:nvSpPr>
-            <p:cNvPr id="26" name="TextBox 25">
-              <a:extLst>
-                <a:ext uri="{FF2B5EF4-FFF2-40B4-BE49-F238E27FC236}">
-                  <a16:creationId xmlns:a16="http://schemas.microsoft.com/office/drawing/2014/main" id="{4A888042-18AF-C84C-40AD-4026FF96AF97}"/>
-                </a:ext>
-              </a:extLst>
-            </p:cNvPr>
-            <p:cNvSpPr txBox="1"/>
-            <p:nvPr/>
-          </p:nvSpPr>
-          <p:spPr>
-            <a:xfrm>
-              <a:off x="0" y="0"/>
-              <a:ext cx="770466" cy="430887"/>
-            </a:xfrm>
-            <a:prstGeom prst="rect">
-              <a:avLst/>
-            </a:prstGeom>
-            <a:noFill/>
-          </p:spPr>
-          <p:txBody>
-            <a:bodyPr wrap="none" rtlCol="0">
-              <a:spAutoFit/>
-            </a:bodyPr>
-            <a:lstStyle>
-              <a:defPPr>
-                <a:defRPr lang="en-US"/>
-              </a:defPPr>
-              <a:lvl1pPr>
-                <a:defRPr sz="2000" b="1">
-                  <a:solidFill>
-                    <a:schemeClr val="bg1">
-                      <a:lumMod val="65000"/>
-                    </a:schemeClr>
-                  </a:solidFill>
-                </a:defRPr>
-              </a:lvl1pPr>
-            </a:lstStyle>
-            <a:p>
-              <a:r>
-                <a:rPr lang="en-US" sz="1500" dirty="0">
-                  <a:solidFill>
-                    <a:srgbClr val="273C77"/>
-                  </a:solidFill>
-                </a:rPr>
-                <a:t>Tests</a:t>
-              </a:r>
-            </a:p>
-          </p:txBody>
-        </p:sp>
-        <p:sp>
-          <p:nvSpPr>
-            <p:cNvPr id="30" name="TextBox 29">
-              <a:extLst>
-                <a:ext uri="{FF2B5EF4-FFF2-40B4-BE49-F238E27FC236}">
-                  <a16:creationId xmlns:a16="http://schemas.microsoft.com/office/drawing/2014/main" id="{7F738AC3-DC91-4FB1-D661-D02D3F593C10}"/>
-                </a:ext>
-              </a:extLst>
-            </p:cNvPr>
-            <p:cNvSpPr txBox="1"/>
-            <p:nvPr/>
-          </p:nvSpPr>
-          <p:spPr>
-            <a:xfrm>
-              <a:off x="0" y="400111"/>
-              <a:ext cx="1165276" cy="430887"/>
-            </a:xfrm>
-            <a:prstGeom prst="rect">
-              <a:avLst/>
-            </a:prstGeom>
-            <a:noFill/>
-          </p:spPr>
-          <p:txBody>
-            <a:bodyPr wrap="none" rtlCol="0">
-              <a:spAutoFit/>
-            </a:bodyPr>
-            <a:lstStyle/>
-            <a:p>
-              <a:r>
-                <a:rPr lang="en-US" sz="1500" b="1" dirty="0">
-                  <a:solidFill>
-                    <a:schemeClr val="bg1">
-                      <a:lumMod val="65000"/>
-                    </a:schemeClr>
-                  </a:solidFill>
-                </a:rPr>
-                <a:t>Describe</a:t>
-              </a:r>
-            </a:p>
-          </p:txBody>
-        </p:sp>
-        <p:sp>
-          <p:nvSpPr>
-            <p:cNvPr id="31" name="TextBox 30">
-              <a:extLst>
-                <a:ext uri="{FF2B5EF4-FFF2-40B4-BE49-F238E27FC236}">
-                  <a16:creationId xmlns:a16="http://schemas.microsoft.com/office/drawing/2014/main" id="{594D31E6-645A-A911-C9CF-F5EB906B26FA}"/>
-                </a:ext>
-              </a:extLst>
-            </p:cNvPr>
-            <p:cNvSpPr txBox="1"/>
-            <p:nvPr/>
-          </p:nvSpPr>
-          <p:spPr>
-            <a:xfrm>
-              <a:off x="0" y="800220"/>
-              <a:ext cx="786968" cy="430887"/>
-            </a:xfrm>
-            <a:prstGeom prst="rect">
-              <a:avLst/>
-            </a:prstGeom>
-            <a:noFill/>
-          </p:spPr>
-          <p:txBody>
-            <a:bodyPr wrap="none" rtlCol="0">
-              <a:spAutoFit/>
-            </a:bodyPr>
-            <a:lstStyle>
-              <a:defPPr>
-                <a:defRPr lang="en-US"/>
-              </a:defPPr>
-              <a:lvl1pPr>
-                <a:defRPr sz="2000" b="1">
-                  <a:solidFill>
-                    <a:srgbClr val="273C77"/>
-                  </a:solidFill>
-                </a:defRPr>
-              </a:lvl1pPr>
-            </a:lstStyle>
-            <a:p>
-              <a:r>
-                <a:rPr lang="en-US" sz="1500" dirty="0">
-                  <a:solidFill>
-                    <a:schemeClr val="bg1">
-                      <a:lumMod val="65000"/>
-                    </a:schemeClr>
-                  </a:solidFill>
-                </a:rPr>
-                <a:t>Code</a:t>
-              </a:r>
-            </a:p>
-          </p:txBody>
-        </p:sp>
-        <p:sp>
-          <p:nvSpPr>
-            <p:cNvPr id="32" name="TextBox 31">
-              <a:extLst>
-                <a:ext uri="{FF2B5EF4-FFF2-40B4-BE49-F238E27FC236}">
-                  <a16:creationId xmlns:a16="http://schemas.microsoft.com/office/drawing/2014/main" id="{069A0FD0-554D-6883-E4B8-2932D2FEB53E}"/>
-                </a:ext>
-              </a:extLst>
-            </p:cNvPr>
-            <p:cNvSpPr txBox="1"/>
-            <p:nvPr/>
-          </p:nvSpPr>
-          <p:spPr>
-            <a:xfrm>
-              <a:off x="0" y="1200330"/>
-              <a:ext cx="1204348" cy="430887"/>
-            </a:xfrm>
-            <a:prstGeom prst="rect">
-              <a:avLst/>
-            </a:prstGeom>
-            <a:noFill/>
-          </p:spPr>
-          <p:txBody>
-            <a:bodyPr wrap="none" rtlCol="0">
-              <a:spAutoFit/>
-            </a:bodyPr>
-            <a:lstStyle>
-              <a:defPPr>
-                <a:defRPr lang="en-US"/>
-              </a:defPPr>
-              <a:lvl1pPr>
-                <a:defRPr sz="2000" b="1">
-                  <a:solidFill>
-                    <a:srgbClr val="273C77"/>
-                  </a:solidFill>
-                </a:defRPr>
-              </a:lvl1pPr>
-            </a:lstStyle>
-            <a:p>
-              <a:r>
-                <a:rPr lang="en-US" sz="1500" dirty="0">
-                  <a:solidFill>
-                    <a:schemeClr val="bg1">
-                      <a:lumMod val="65000"/>
-                    </a:schemeClr>
-                  </a:solidFill>
-                </a:rPr>
-                <a:t>Optimize</a:t>
-              </a:r>
-            </a:p>
-          </p:txBody>
-        </p:sp>
-        <p:sp>
-          <p:nvSpPr>
-            <p:cNvPr id="33" name="TextBox 32">
-              <a:extLst>
-                <a:ext uri="{FF2B5EF4-FFF2-40B4-BE49-F238E27FC236}">
-                  <a16:creationId xmlns:a16="http://schemas.microsoft.com/office/drawing/2014/main" id="{A2C1BD02-579C-9CF1-3631-60392838CC14}"/>
-                </a:ext>
-              </a:extLst>
-            </p:cNvPr>
-            <p:cNvSpPr txBox="1"/>
-            <p:nvPr/>
-          </p:nvSpPr>
-          <p:spPr>
-            <a:xfrm>
-              <a:off x="0" y="1600440"/>
-              <a:ext cx="1142364" cy="430887"/>
-            </a:xfrm>
-            <a:prstGeom prst="rect">
-              <a:avLst/>
-            </a:prstGeom>
-            <a:noFill/>
-          </p:spPr>
-          <p:txBody>
-            <a:bodyPr wrap="none" rtlCol="0">
-              <a:spAutoFit/>
-            </a:bodyPr>
-            <a:lstStyle/>
-            <a:p>
-              <a:r>
-                <a:rPr lang="en-US" sz="1500" b="1" dirty="0">
-                  <a:solidFill>
-                    <a:schemeClr val="bg1">
-                      <a:lumMod val="65000"/>
-                    </a:schemeClr>
-                  </a:solidFill>
-                </a:rPr>
-                <a:t>Refactor</a:t>
-              </a:r>
-            </a:p>
-          </p:txBody>
-        </p:sp>
-      </p:grpSp>
     </p:spTree>
     <p:extLst>
       <p:ext uri="{BB962C8B-B14F-4D97-AF65-F5344CB8AC3E}">
@@ -16073,7 +14849,7 @@
 </p:sld>
 </file>
 
-<file path=ppt/slides/slide22.xml><?xml version="1.0" encoding="utf-8"?>
+<file path=ppt/slides/slide21.xml><?xml version="1.0" encoding="utf-8"?>
 <p:sld xmlns:a="http://schemas.openxmlformats.org/drawingml/2006/main" xmlns:r="http://schemas.openxmlformats.org/officeDocument/2006/relationships" xmlns:p="http://schemas.openxmlformats.org/presentationml/2006/main">
   <p:cSld>
     <p:spTree>
@@ -18245,265 +17021,6 @@
           </p:sp>
         </mc:Fallback>
       </mc:AlternateContent>
-      <p:grpSp>
-        <p:nvGrpSpPr>
-          <p:cNvPr id="23" name="Group 22">
-            <a:extLst>
-              <a:ext uri="{FF2B5EF4-FFF2-40B4-BE49-F238E27FC236}">
-                <a16:creationId xmlns:a16="http://schemas.microsoft.com/office/drawing/2014/main" id="{0FDE87CB-A478-0457-2C1F-D084DFA56FB8}"/>
-              </a:ext>
-            </a:extLst>
-          </p:cNvPr>
-          <p:cNvGrpSpPr/>
-          <p:nvPr/>
-        </p:nvGrpSpPr>
-        <p:grpSpPr>
-          <a:xfrm>
-            <a:off x="224118" y="191184"/>
-            <a:ext cx="903261" cy="1523496"/>
-            <a:chOff x="0" y="0"/>
-            <a:chExt cx="1204348" cy="2031327"/>
-          </a:xfrm>
-        </p:grpSpPr>
-        <p:sp>
-          <p:nvSpPr>
-            <p:cNvPr id="24" name="TextBox 23">
-              <a:extLst>
-                <a:ext uri="{FF2B5EF4-FFF2-40B4-BE49-F238E27FC236}">
-                  <a16:creationId xmlns:a16="http://schemas.microsoft.com/office/drawing/2014/main" id="{855C6CA2-3021-E16C-1A2A-5E974E024E67}"/>
-                </a:ext>
-              </a:extLst>
-            </p:cNvPr>
-            <p:cNvSpPr txBox="1"/>
-            <p:nvPr/>
-          </p:nvSpPr>
-          <p:spPr>
-            <a:xfrm>
-              <a:off x="0" y="0"/>
-              <a:ext cx="770466" cy="430887"/>
-            </a:xfrm>
-            <a:prstGeom prst="rect">
-              <a:avLst/>
-            </a:prstGeom>
-            <a:noFill/>
-          </p:spPr>
-          <p:txBody>
-            <a:bodyPr wrap="none" rtlCol="0">
-              <a:spAutoFit/>
-            </a:bodyPr>
-            <a:lstStyle>
-              <a:defPPr>
-                <a:defRPr lang="en-US"/>
-              </a:defPPr>
-              <a:lvl1pPr>
-                <a:defRPr sz="2000" b="1">
-                  <a:solidFill>
-                    <a:schemeClr val="bg1">
-                      <a:lumMod val="65000"/>
-                    </a:schemeClr>
-                  </a:solidFill>
-                </a:defRPr>
-              </a:lvl1pPr>
-            </a:lstStyle>
-            <a:p>
-              <a:r>
-                <a:rPr lang="en-US" sz="1500" dirty="0">
-                  <a:solidFill>
-                    <a:srgbClr val="273C77"/>
-                  </a:solidFill>
-                </a:rPr>
-                <a:t>Tests</a:t>
-              </a:r>
-            </a:p>
-          </p:txBody>
-        </p:sp>
-        <p:sp>
-          <p:nvSpPr>
-            <p:cNvPr id="25" name="TextBox 24">
-              <a:extLst>
-                <a:ext uri="{FF2B5EF4-FFF2-40B4-BE49-F238E27FC236}">
-                  <a16:creationId xmlns:a16="http://schemas.microsoft.com/office/drawing/2014/main" id="{83F22E09-0736-0173-09BA-0AC3AEEB7580}"/>
-                </a:ext>
-              </a:extLst>
-            </p:cNvPr>
-            <p:cNvSpPr txBox="1"/>
-            <p:nvPr/>
-          </p:nvSpPr>
-          <p:spPr>
-            <a:xfrm>
-              <a:off x="0" y="400111"/>
-              <a:ext cx="1165276" cy="430887"/>
-            </a:xfrm>
-            <a:prstGeom prst="rect">
-              <a:avLst/>
-            </a:prstGeom>
-            <a:noFill/>
-          </p:spPr>
-          <p:txBody>
-            <a:bodyPr wrap="none" rtlCol="0">
-              <a:spAutoFit/>
-            </a:bodyPr>
-            <a:lstStyle/>
-            <a:p>
-              <a:r>
-                <a:rPr lang="en-US" sz="1500" b="1" dirty="0">
-                  <a:solidFill>
-                    <a:schemeClr val="bg1">
-                      <a:lumMod val="65000"/>
-                    </a:schemeClr>
-                  </a:solidFill>
-                </a:rPr>
-                <a:t>Describe</a:t>
-              </a:r>
-            </a:p>
-          </p:txBody>
-        </p:sp>
-        <p:sp>
-          <p:nvSpPr>
-            <p:cNvPr id="26" name="TextBox 25">
-              <a:extLst>
-                <a:ext uri="{FF2B5EF4-FFF2-40B4-BE49-F238E27FC236}">
-                  <a16:creationId xmlns:a16="http://schemas.microsoft.com/office/drawing/2014/main" id="{098246DE-8BE8-F36F-EE25-74FE8BB2C529}"/>
-                </a:ext>
-              </a:extLst>
-            </p:cNvPr>
-            <p:cNvSpPr txBox="1"/>
-            <p:nvPr/>
-          </p:nvSpPr>
-          <p:spPr>
-            <a:xfrm>
-              <a:off x="0" y="800220"/>
-              <a:ext cx="786968" cy="430887"/>
-            </a:xfrm>
-            <a:prstGeom prst="rect">
-              <a:avLst/>
-            </a:prstGeom>
-            <a:noFill/>
-          </p:spPr>
-          <p:txBody>
-            <a:bodyPr wrap="none" rtlCol="0">
-              <a:spAutoFit/>
-            </a:bodyPr>
-            <a:lstStyle>
-              <a:defPPr>
-                <a:defRPr lang="en-US"/>
-              </a:defPPr>
-              <a:lvl1pPr>
-                <a:defRPr sz="2000" b="1">
-                  <a:solidFill>
-                    <a:srgbClr val="273C77"/>
-                  </a:solidFill>
-                </a:defRPr>
-              </a:lvl1pPr>
-            </a:lstStyle>
-            <a:p>
-              <a:r>
-                <a:rPr lang="en-US" sz="1500" dirty="0">
-                  <a:solidFill>
-                    <a:schemeClr val="bg1">
-                      <a:lumMod val="65000"/>
-                    </a:schemeClr>
-                  </a:solidFill>
-                </a:rPr>
-                <a:t>Code</a:t>
-              </a:r>
-            </a:p>
-          </p:txBody>
-        </p:sp>
-        <p:sp>
-          <p:nvSpPr>
-            <p:cNvPr id="27" name="TextBox 26">
-              <a:extLst>
-                <a:ext uri="{FF2B5EF4-FFF2-40B4-BE49-F238E27FC236}">
-                  <a16:creationId xmlns:a16="http://schemas.microsoft.com/office/drawing/2014/main" id="{99752270-1928-C5DC-A5AD-6946E34544E4}"/>
-                </a:ext>
-              </a:extLst>
-            </p:cNvPr>
-            <p:cNvSpPr txBox="1"/>
-            <p:nvPr/>
-          </p:nvSpPr>
-          <p:spPr>
-            <a:xfrm>
-              <a:off x="0" y="1200330"/>
-              <a:ext cx="1204348" cy="430887"/>
-            </a:xfrm>
-            <a:prstGeom prst="rect">
-              <a:avLst/>
-            </a:prstGeom>
-            <a:noFill/>
-          </p:spPr>
-          <p:txBody>
-            <a:bodyPr wrap="none" rtlCol="0">
-              <a:spAutoFit/>
-            </a:bodyPr>
-            <a:lstStyle>
-              <a:defPPr>
-                <a:defRPr lang="en-US"/>
-              </a:defPPr>
-              <a:lvl1pPr>
-                <a:defRPr sz="2000" b="1">
-                  <a:solidFill>
-                    <a:srgbClr val="273C77"/>
-                  </a:solidFill>
-                </a:defRPr>
-              </a:lvl1pPr>
-            </a:lstStyle>
-            <a:p>
-              <a:r>
-                <a:rPr lang="en-US" sz="1500" dirty="0">
-                  <a:solidFill>
-                    <a:schemeClr val="bg1">
-                      <a:lumMod val="65000"/>
-                    </a:schemeClr>
-                  </a:solidFill>
-                </a:rPr>
-                <a:t>Optimize</a:t>
-              </a:r>
-            </a:p>
-          </p:txBody>
-        </p:sp>
-        <p:sp>
-          <p:nvSpPr>
-            <p:cNvPr id="28" name="TextBox 27">
-              <a:extLst>
-                <a:ext uri="{FF2B5EF4-FFF2-40B4-BE49-F238E27FC236}">
-                  <a16:creationId xmlns:a16="http://schemas.microsoft.com/office/drawing/2014/main" id="{E1470910-B1AB-0B6A-B5DC-D0A94D9B4758}"/>
-                </a:ext>
-              </a:extLst>
-            </p:cNvPr>
-            <p:cNvSpPr txBox="1"/>
-            <p:nvPr/>
-          </p:nvSpPr>
-          <p:spPr>
-            <a:xfrm>
-              <a:off x="0" y="1600440"/>
-              <a:ext cx="1142364" cy="430887"/>
-            </a:xfrm>
-            <a:prstGeom prst="rect">
-              <a:avLst/>
-            </a:prstGeom>
-            <a:noFill/>
-          </p:spPr>
-          <p:txBody>
-            <a:bodyPr wrap="none" rtlCol="0">
-              <a:spAutoFit/>
-            </a:bodyPr>
-            <a:lstStyle/>
-            <a:p>
-              <a:r>
-                <a:rPr lang="en-US" sz="1500" b="1" dirty="0">
-                  <a:solidFill>
-                    <a:schemeClr val="bg1">
-                      <a:lumMod val="65000"/>
-                    </a:schemeClr>
-                  </a:solidFill>
-                </a:rPr>
-                <a:t>Refactor</a:t>
-              </a:r>
-            </a:p>
-          </p:txBody>
-        </p:sp>
-      </p:grpSp>
     </p:spTree>
     <p:extLst>
       <p:ext uri="{BB962C8B-B14F-4D97-AF65-F5344CB8AC3E}">
@@ -19239,7 +17756,7 @@
 </p:sld>
 </file>
 
-<file path=ppt/slides/slide23.xml><?xml version="1.0" encoding="utf-8"?>
+<file path=ppt/slides/slide22.xml><?xml version="1.0" encoding="utf-8"?>
 <p:sld xmlns:a="http://schemas.openxmlformats.org/drawingml/2006/main" xmlns:r="http://schemas.openxmlformats.org/officeDocument/2006/relationships" xmlns:p="http://schemas.openxmlformats.org/presentationml/2006/main">
   <p:cSld>
     <p:spTree>
@@ -20727,265 +19244,6 @@
           </p:sp>
         </mc:Fallback>
       </mc:AlternateContent>
-      <p:grpSp>
-        <p:nvGrpSpPr>
-          <p:cNvPr id="36" name="Group 35">
-            <a:extLst>
-              <a:ext uri="{FF2B5EF4-FFF2-40B4-BE49-F238E27FC236}">
-                <a16:creationId xmlns:a16="http://schemas.microsoft.com/office/drawing/2014/main" id="{54FA3BE7-E539-2CAD-CE96-437C7EADB6DA}"/>
-              </a:ext>
-            </a:extLst>
-          </p:cNvPr>
-          <p:cNvGrpSpPr/>
-          <p:nvPr/>
-        </p:nvGrpSpPr>
-        <p:grpSpPr>
-          <a:xfrm>
-            <a:off x="224118" y="191184"/>
-            <a:ext cx="903261" cy="1523496"/>
-            <a:chOff x="0" y="0"/>
-            <a:chExt cx="1204348" cy="2031327"/>
-          </a:xfrm>
-        </p:grpSpPr>
-        <p:sp>
-          <p:nvSpPr>
-            <p:cNvPr id="49" name="TextBox 48">
-              <a:extLst>
-                <a:ext uri="{FF2B5EF4-FFF2-40B4-BE49-F238E27FC236}">
-                  <a16:creationId xmlns:a16="http://schemas.microsoft.com/office/drawing/2014/main" id="{5DA96178-23C3-34BF-FAF5-5D71BC458170}"/>
-                </a:ext>
-              </a:extLst>
-            </p:cNvPr>
-            <p:cNvSpPr txBox="1"/>
-            <p:nvPr/>
-          </p:nvSpPr>
-          <p:spPr>
-            <a:xfrm>
-              <a:off x="0" y="0"/>
-              <a:ext cx="770466" cy="430887"/>
-            </a:xfrm>
-            <a:prstGeom prst="rect">
-              <a:avLst/>
-            </a:prstGeom>
-            <a:noFill/>
-          </p:spPr>
-          <p:txBody>
-            <a:bodyPr wrap="none" rtlCol="0">
-              <a:spAutoFit/>
-            </a:bodyPr>
-            <a:lstStyle>
-              <a:defPPr>
-                <a:defRPr lang="en-US"/>
-              </a:defPPr>
-              <a:lvl1pPr>
-                <a:defRPr sz="2000" b="1">
-                  <a:solidFill>
-                    <a:schemeClr val="bg1">
-                      <a:lumMod val="65000"/>
-                    </a:schemeClr>
-                  </a:solidFill>
-                </a:defRPr>
-              </a:lvl1pPr>
-            </a:lstStyle>
-            <a:p>
-              <a:r>
-                <a:rPr lang="en-US" sz="1500" dirty="0">
-                  <a:solidFill>
-                    <a:srgbClr val="273C77"/>
-                  </a:solidFill>
-                </a:rPr>
-                <a:t>Tests</a:t>
-              </a:r>
-            </a:p>
-          </p:txBody>
-        </p:sp>
-        <p:sp>
-          <p:nvSpPr>
-            <p:cNvPr id="50" name="TextBox 49">
-              <a:extLst>
-                <a:ext uri="{FF2B5EF4-FFF2-40B4-BE49-F238E27FC236}">
-                  <a16:creationId xmlns:a16="http://schemas.microsoft.com/office/drawing/2014/main" id="{7938BF2B-36CE-0E56-07FD-F617EE643BA0}"/>
-                </a:ext>
-              </a:extLst>
-            </p:cNvPr>
-            <p:cNvSpPr txBox="1"/>
-            <p:nvPr/>
-          </p:nvSpPr>
-          <p:spPr>
-            <a:xfrm>
-              <a:off x="0" y="400111"/>
-              <a:ext cx="1165276" cy="430887"/>
-            </a:xfrm>
-            <a:prstGeom prst="rect">
-              <a:avLst/>
-            </a:prstGeom>
-            <a:noFill/>
-          </p:spPr>
-          <p:txBody>
-            <a:bodyPr wrap="none" rtlCol="0">
-              <a:spAutoFit/>
-            </a:bodyPr>
-            <a:lstStyle/>
-            <a:p>
-              <a:r>
-                <a:rPr lang="en-US" sz="1500" b="1" dirty="0">
-                  <a:solidFill>
-                    <a:schemeClr val="bg1">
-                      <a:lumMod val="65000"/>
-                    </a:schemeClr>
-                  </a:solidFill>
-                </a:rPr>
-                <a:t>Describe</a:t>
-              </a:r>
-            </a:p>
-          </p:txBody>
-        </p:sp>
-        <p:sp>
-          <p:nvSpPr>
-            <p:cNvPr id="51" name="TextBox 50">
-              <a:extLst>
-                <a:ext uri="{FF2B5EF4-FFF2-40B4-BE49-F238E27FC236}">
-                  <a16:creationId xmlns:a16="http://schemas.microsoft.com/office/drawing/2014/main" id="{6DCBD21B-006E-9117-69B4-ACD460A41259}"/>
-                </a:ext>
-              </a:extLst>
-            </p:cNvPr>
-            <p:cNvSpPr txBox="1"/>
-            <p:nvPr/>
-          </p:nvSpPr>
-          <p:spPr>
-            <a:xfrm>
-              <a:off x="0" y="800220"/>
-              <a:ext cx="786968" cy="430887"/>
-            </a:xfrm>
-            <a:prstGeom prst="rect">
-              <a:avLst/>
-            </a:prstGeom>
-            <a:noFill/>
-          </p:spPr>
-          <p:txBody>
-            <a:bodyPr wrap="none" rtlCol="0">
-              <a:spAutoFit/>
-            </a:bodyPr>
-            <a:lstStyle>
-              <a:defPPr>
-                <a:defRPr lang="en-US"/>
-              </a:defPPr>
-              <a:lvl1pPr>
-                <a:defRPr sz="2000" b="1">
-                  <a:solidFill>
-                    <a:srgbClr val="273C77"/>
-                  </a:solidFill>
-                </a:defRPr>
-              </a:lvl1pPr>
-            </a:lstStyle>
-            <a:p>
-              <a:r>
-                <a:rPr lang="en-US" sz="1500" dirty="0">
-                  <a:solidFill>
-                    <a:schemeClr val="bg1">
-                      <a:lumMod val="65000"/>
-                    </a:schemeClr>
-                  </a:solidFill>
-                </a:rPr>
-                <a:t>Code</a:t>
-              </a:r>
-            </a:p>
-          </p:txBody>
-        </p:sp>
-        <p:sp>
-          <p:nvSpPr>
-            <p:cNvPr id="52" name="TextBox 51">
-              <a:extLst>
-                <a:ext uri="{FF2B5EF4-FFF2-40B4-BE49-F238E27FC236}">
-                  <a16:creationId xmlns:a16="http://schemas.microsoft.com/office/drawing/2014/main" id="{1F97F055-C201-9690-49E5-B7FD2E989687}"/>
-                </a:ext>
-              </a:extLst>
-            </p:cNvPr>
-            <p:cNvSpPr txBox="1"/>
-            <p:nvPr/>
-          </p:nvSpPr>
-          <p:spPr>
-            <a:xfrm>
-              <a:off x="0" y="1200330"/>
-              <a:ext cx="1204348" cy="430887"/>
-            </a:xfrm>
-            <a:prstGeom prst="rect">
-              <a:avLst/>
-            </a:prstGeom>
-            <a:noFill/>
-          </p:spPr>
-          <p:txBody>
-            <a:bodyPr wrap="none" rtlCol="0">
-              <a:spAutoFit/>
-            </a:bodyPr>
-            <a:lstStyle>
-              <a:defPPr>
-                <a:defRPr lang="en-US"/>
-              </a:defPPr>
-              <a:lvl1pPr>
-                <a:defRPr sz="2000" b="1">
-                  <a:solidFill>
-                    <a:srgbClr val="273C77"/>
-                  </a:solidFill>
-                </a:defRPr>
-              </a:lvl1pPr>
-            </a:lstStyle>
-            <a:p>
-              <a:r>
-                <a:rPr lang="en-US" sz="1500" dirty="0">
-                  <a:solidFill>
-                    <a:schemeClr val="bg1">
-                      <a:lumMod val="65000"/>
-                    </a:schemeClr>
-                  </a:solidFill>
-                </a:rPr>
-                <a:t>Optimize</a:t>
-              </a:r>
-            </a:p>
-          </p:txBody>
-        </p:sp>
-        <p:sp>
-          <p:nvSpPr>
-            <p:cNvPr id="53" name="TextBox 52">
-              <a:extLst>
-                <a:ext uri="{FF2B5EF4-FFF2-40B4-BE49-F238E27FC236}">
-                  <a16:creationId xmlns:a16="http://schemas.microsoft.com/office/drawing/2014/main" id="{C68E0FC3-28CC-464F-36A1-11B1423FAF9D}"/>
-                </a:ext>
-              </a:extLst>
-            </p:cNvPr>
-            <p:cNvSpPr txBox="1"/>
-            <p:nvPr/>
-          </p:nvSpPr>
-          <p:spPr>
-            <a:xfrm>
-              <a:off x="0" y="1600440"/>
-              <a:ext cx="1142364" cy="430887"/>
-            </a:xfrm>
-            <a:prstGeom prst="rect">
-              <a:avLst/>
-            </a:prstGeom>
-            <a:noFill/>
-          </p:spPr>
-          <p:txBody>
-            <a:bodyPr wrap="none" rtlCol="0">
-              <a:spAutoFit/>
-            </a:bodyPr>
-            <a:lstStyle/>
-            <a:p>
-              <a:r>
-                <a:rPr lang="en-US" sz="1500" b="1" dirty="0">
-                  <a:solidFill>
-                    <a:schemeClr val="bg1">
-                      <a:lumMod val="65000"/>
-                    </a:schemeClr>
-                  </a:solidFill>
-                </a:rPr>
-                <a:t>Refactor</a:t>
-              </a:r>
-            </a:p>
-          </p:txBody>
-        </p:sp>
-      </p:grpSp>
     </p:spTree>
     <p:extLst>
       <p:ext uri="{BB962C8B-B14F-4D97-AF65-F5344CB8AC3E}">
@@ -21685,7 +19943,7 @@
             </a:pPr>
             <a:r>
               <a:rPr lang="en-US" sz="2000" b="0" dirty="0"/>
-              <a:t>Tree ADT (Friday)</a:t>
+              <a:t>Percentile, Tree ADT (Friday)</a:t>
             </a:r>
           </a:p>
           <a:p>
